--- a/final pre.pptx
+++ b/final pre.pptx
@@ -17010,14 +17010,14 @@
           <p:nvPr>
             <p:extLst>
               <p:ext uri="{D42A27DB-BD31-4B8C-83A1-F6EECF244321}">
-                <p14:modId xmlns:p14="http://schemas.microsoft.com/office/powerpoint/2010/main" val="2655839348"/>
+                <p14:modId xmlns:p14="http://schemas.microsoft.com/office/powerpoint/2010/main" val="2308411492"/>
               </p:ext>
             </p:extLst>
           </p:nvPr>
         </p:nvGraphicFramePr>
         <p:xfrm>
-          <a:off x="1090401" y="1297924"/>
-          <a:ext cx="9207762" cy="3514577"/>
+          <a:off x="2259432" y="1297924"/>
+          <a:ext cx="7673135" cy="3514577"/>
         </p:xfrm>
         <a:graphic>
           <a:graphicData uri="http://schemas.openxmlformats.org/drawingml/2006/table">
@@ -17049,13 +17049,6 @@
                   <a:extLst>
                     <a:ext uri="{9D8B030D-6E8A-4147-A177-3AD203B41FA5}">
                       <a16:colId xmlns:a16="http://schemas.microsoft.com/office/drawing/2014/main" val="1743908607"/>
-                    </a:ext>
-                  </a:extLst>
-                </a:gridCol>
-                <a:gridCol w="1534627">
-                  <a:extLst>
-                    <a:ext uri="{9D8B030D-6E8A-4147-A177-3AD203B41FA5}">
-                      <a16:colId xmlns:a16="http://schemas.microsoft.com/office/drawing/2014/main" val="3492755263"/>
                     </a:ext>
                   </a:extLst>
                 </a:gridCol>
@@ -17277,73 +17270,6 @@
                           <a:latin typeface="Arial" panose="020B0604020202020204" pitchFamily="34" charset="0"/>
                         </a:rPr>
                         <a:t>Random Forest</a:t>
-                      </a:r>
-                      <a:endParaRPr lang="en-US" b="1">
-                        <a:effectLst/>
-                      </a:endParaRPr>
-                    </a:p>
-                  </a:txBody>
-                  <a:tcPr marL="95250" marR="95250" marT="95250" marB="95250" anchor="ctr">
-                    <a:lnL w="9525" cap="flat" cmpd="sng" algn="ctr">
-                      <a:solidFill>
-                        <a:srgbClr val="9E9E9E"/>
-                      </a:solidFill>
-                      <a:prstDash val="solid"/>
-                      <a:round/>
-                      <a:headEnd type="none" w="med" len="med"/>
-                      <a:tailEnd type="none" w="med" len="med"/>
-                    </a:lnL>
-                    <a:lnR w="9525" cap="flat" cmpd="sng" algn="ctr">
-                      <a:solidFill>
-                        <a:srgbClr val="9E9E9E"/>
-                      </a:solidFill>
-                      <a:prstDash val="solid"/>
-                      <a:round/>
-                      <a:headEnd type="none" w="med" len="med"/>
-                      <a:tailEnd type="none" w="med" len="med"/>
-                    </a:lnR>
-                    <a:lnT w="9525" cap="flat" cmpd="sng" algn="ctr">
-                      <a:solidFill>
-                        <a:srgbClr val="9E9E9E"/>
-                      </a:solidFill>
-                      <a:prstDash val="solid"/>
-                      <a:round/>
-                      <a:headEnd type="none" w="med" len="med"/>
-                      <a:tailEnd type="none" w="med" len="med"/>
-                    </a:lnT>
-                    <a:lnB w="9525" cap="flat" cmpd="sng" algn="ctr">
-                      <a:solidFill>
-                        <a:srgbClr val="9E9E9E"/>
-                      </a:solidFill>
-                      <a:prstDash val="solid"/>
-                      <a:round/>
-                      <a:headEnd type="none" w="med" len="med"/>
-                      <a:tailEnd type="none" w="med" len="med"/>
-                    </a:lnB>
-                  </a:tcPr>
-                </a:tc>
-                <a:tc>
-                  <a:txBody>
-                    <a:bodyPr/>
-                    <a:lstStyle/>
-                    <a:p>
-                      <a:pPr algn="ctr" rtl="0" fontAlgn="t">
-                        <a:spcBef>
-                          <a:spcPts val="0"/>
-                        </a:spcBef>
-                        <a:spcAft>
-                          <a:spcPts val="0"/>
-                        </a:spcAft>
-                      </a:pPr>
-                      <a:r>
-                        <a:rPr lang="en-US" sz="1400" b="1" i="0" u="none" strike="noStrike">
-                          <a:solidFill>
-                            <a:srgbClr val="000000"/>
-                          </a:solidFill>
-                          <a:effectLst/>
-                          <a:latin typeface="Arial" panose="020B0604020202020204" pitchFamily="34" charset="0"/>
-                        </a:rPr>
-                        <a:t>Decision Tree</a:t>
                       </a:r>
                       <a:endParaRPr lang="en-US" b="1">
                         <a:effectLst/>
@@ -17686,73 +17612,6 @@
                           <a:latin typeface="Arial" panose="020B0604020202020204" pitchFamily="34" charset="0"/>
                         </a:rPr>
                         <a:t>84%</a:t>
-                      </a:r>
-                      <a:endParaRPr lang="en-US" b="1" dirty="0">
-                        <a:effectLst/>
-                      </a:endParaRPr>
-                    </a:p>
-                  </a:txBody>
-                  <a:tcPr marL="95250" marR="95250" marT="95250" marB="95250" anchor="ctr">
-                    <a:lnL w="9525" cap="flat" cmpd="sng" algn="ctr">
-                      <a:solidFill>
-                        <a:srgbClr val="9E9E9E"/>
-                      </a:solidFill>
-                      <a:prstDash val="solid"/>
-                      <a:round/>
-                      <a:headEnd type="none" w="med" len="med"/>
-                      <a:tailEnd type="none" w="med" len="med"/>
-                    </a:lnL>
-                    <a:lnR w="9525" cap="flat" cmpd="sng" algn="ctr">
-                      <a:solidFill>
-                        <a:srgbClr val="9E9E9E"/>
-                      </a:solidFill>
-                      <a:prstDash val="solid"/>
-                      <a:round/>
-                      <a:headEnd type="none" w="med" len="med"/>
-                      <a:tailEnd type="none" w="med" len="med"/>
-                    </a:lnR>
-                    <a:lnT w="9525" cap="flat" cmpd="sng" algn="ctr">
-                      <a:solidFill>
-                        <a:srgbClr val="9E9E9E"/>
-                      </a:solidFill>
-                      <a:prstDash val="solid"/>
-                      <a:round/>
-                      <a:headEnd type="none" w="med" len="med"/>
-                      <a:tailEnd type="none" w="med" len="med"/>
-                    </a:lnT>
-                    <a:lnB w="9525" cap="flat" cmpd="sng" algn="ctr">
-                      <a:solidFill>
-                        <a:srgbClr val="9E9E9E"/>
-                      </a:solidFill>
-                      <a:prstDash val="solid"/>
-                      <a:round/>
-                      <a:headEnd type="none" w="med" len="med"/>
-                      <a:tailEnd type="none" w="med" len="med"/>
-                    </a:lnB>
-                  </a:tcPr>
-                </a:tc>
-                <a:tc>
-                  <a:txBody>
-                    <a:bodyPr/>
-                    <a:lstStyle/>
-                    <a:p>
-                      <a:pPr algn="ctr" rtl="0" fontAlgn="t">
-                        <a:spcBef>
-                          <a:spcPts val="0"/>
-                        </a:spcBef>
-                        <a:spcAft>
-                          <a:spcPts val="0"/>
-                        </a:spcAft>
-                      </a:pPr>
-                      <a:r>
-                        <a:rPr lang="en-US" sz="1400" b="1" i="0" u="none" strike="noStrike" dirty="0">
-                          <a:solidFill>
-                            <a:srgbClr val="000000"/>
-                          </a:solidFill>
-                          <a:effectLst/>
-                          <a:latin typeface="Arial" panose="020B0604020202020204" pitchFamily="34" charset="0"/>
-                        </a:rPr>
-                        <a:t>85%</a:t>
                       </a:r>
                       <a:endParaRPr lang="en-US" b="1" dirty="0">
                         <a:effectLst/>
@@ -18161,73 +18020,6 @@
                           <a:effectLst/>
                           <a:latin typeface="Arial" panose="020B0604020202020204" pitchFamily="34" charset="0"/>
                         </a:rPr>
-                        <a:t>67%</a:t>
-                      </a:r>
-                      <a:endParaRPr lang="en-US" b="1" dirty="0">
-                        <a:effectLst/>
-                      </a:endParaRPr>
-                    </a:p>
-                  </a:txBody>
-                  <a:tcPr marL="95250" marR="95250" marT="95250" marB="95250" anchor="ctr">
-                    <a:lnL w="9525" cap="flat" cmpd="sng" algn="ctr">
-                      <a:solidFill>
-                        <a:srgbClr val="9E9E9E"/>
-                      </a:solidFill>
-                      <a:prstDash val="solid"/>
-                      <a:round/>
-                      <a:headEnd type="none" w="med" len="med"/>
-                      <a:tailEnd type="none" w="med" len="med"/>
-                    </a:lnL>
-                    <a:lnR w="9525" cap="flat" cmpd="sng" algn="ctr">
-                      <a:solidFill>
-                        <a:srgbClr val="9E9E9E"/>
-                      </a:solidFill>
-                      <a:prstDash val="solid"/>
-                      <a:round/>
-                      <a:headEnd type="none" w="med" len="med"/>
-                      <a:tailEnd type="none" w="med" len="med"/>
-                    </a:lnR>
-                    <a:lnT w="9525" cap="flat" cmpd="sng" algn="ctr">
-                      <a:solidFill>
-                        <a:srgbClr val="9E9E9E"/>
-                      </a:solidFill>
-                      <a:prstDash val="solid"/>
-                      <a:round/>
-                      <a:headEnd type="none" w="med" len="med"/>
-                      <a:tailEnd type="none" w="med" len="med"/>
-                    </a:lnT>
-                    <a:lnB w="9525" cap="flat" cmpd="sng" algn="ctr">
-                      <a:solidFill>
-                        <a:srgbClr val="9E9E9E"/>
-                      </a:solidFill>
-                      <a:prstDash val="solid"/>
-                      <a:round/>
-                      <a:headEnd type="none" w="med" len="med"/>
-                      <a:tailEnd type="none" w="med" len="med"/>
-                    </a:lnB>
-                  </a:tcPr>
-                </a:tc>
-                <a:tc>
-                  <a:txBody>
-                    <a:bodyPr/>
-                    <a:lstStyle/>
-                    <a:p>
-                      <a:pPr algn="ctr" rtl="0" fontAlgn="t">
-                        <a:spcBef>
-                          <a:spcPts val="0"/>
-                        </a:spcBef>
-                        <a:spcAft>
-                          <a:spcPts val="0"/>
-                        </a:spcAft>
-                      </a:pPr>
-                      <a:r>
-                        <a:rPr lang="en-US" sz="1400" b="1" i="0" u="none" strike="noStrike" dirty="0">
-                          <a:solidFill>
-                            <a:srgbClr val="000000"/>
-                          </a:solidFill>
-                          <a:effectLst/>
-                          <a:latin typeface="Arial" panose="020B0604020202020204" pitchFamily="34" charset="0"/>
-                        </a:rPr>
                         <a:t>65%</a:t>
                       </a:r>
                       <a:endParaRPr lang="en-US" b="1" dirty="0">
@@ -18439,73 +18231,6 @@
                         <a:t>90%</a:t>
                       </a:r>
                       <a:endParaRPr lang="en-US" b="1" dirty="0">
-                        <a:effectLst/>
-                      </a:endParaRPr>
-                    </a:p>
-                  </a:txBody>
-                  <a:tcPr marL="95250" marR="95250" marT="95250" marB="95250" anchor="ctr">
-                    <a:lnL w="9525" cap="flat" cmpd="sng" algn="ctr">
-                      <a:solidFill>
-                        <a:srgbClr val="9E9E9E"/>
-                      </a:solidFill>
-                      <a:prstDash val="solid"/>
-                      <a:round/>
-                      <a:headEnd type="none" w="med" len="med"/>
-                      <a:tailEnd type="none" w="med" len="med"/>
-                    </a:lnL>
-                    <a:lnR w="9525" cap="flat" cmpd="sng" algn="ctr">
-                      <a:solidFill>
-                        <a:srgbClr val="9E9E9E"/>
-                      </a:solidFill>
-                      <a:prstDash val="solid"/>
-                      <a:round/>
-                      <a:headEnd type="none" w="med" len="med"/>
-                      <a:tailEnd type="none" w="med" len="med"/>
-                    </a:lnR>
-                    <a:lnT w="9525" cap="flat" cmpd="sng" algn="ctr">
-                      <a:solidFill>
-                        <a:srgbClr val="9E9E9E"/>
-                      </a:solidFill>
-                      <a:prstDash val="solid"/>
-                      <a:round/>
-                      <a:headEnd type="none" w="med" len="med"/>
-                      <a:tailEnd type="none" w="med" len="med"/>
-                    </a:lnT>
-                    <a:lnB w="9525" cap="flat" cmpd="sng" algn="ctr">
-                      <a:solidFill>
-                        <a:srgbClr val="9E9E9E"/>
-                      </a:solidFill>
-                      <a:prstDash val="solid"/>
-                      <a:round/>
-                      <a:headEnd type="none" w="med" len="med"/>
-                      <a:tailEnd type="none" w="med" len="med"/>
-                    </a:lnB>
-                  </a:tcPr>
-                </a:tc>
-                <a:tc>
-                  <a:txBody>
-                    <a:bodyPr/>
-                    <a:lstStyle/>
-                    <a:p>
-                      <a:pPr algn="ctr" rtl="0" fontAlgn="t">
-                        <a:spcBef>
-                          <a:spcPts val="0"/>
-                        </a:spcBef>
-                        <a:spcAft>
-                          <a:spcPts val="0"/>
-                        </a:spcAft>
-                      </a:pPr>
-                      <a:r>
-                        <a:rPr lang="en-US" sz="1400" b="1" i="0" u="none" strike="noStrike">
-                          <a:solidFill>
-                            <a:srgbClr val="000000"/>
-                          </a:solidFill>
-                          <a:effectLst/>
-                          <a:latin typeface="Arial" panose="020B0604020202020204" pitchFamily="34" charset="0"/>
-                        </a:rPr>
-                        <a:t>97%</a:t>
-                      </a:r>
-                      <a:endParaRPr lang="en-US" b="1">
                         <a:effectLst/>
                       </a:endParaRPr>
                     </a:p>
